--- a/OT.VVAExport/Examples/Inputs/VideoExample.pptx
+++ b/OT.VVAExport/Examples/Inputs/VideoExample.pptx
@@ -6,7 +6,6 @@
   </p:sldMasterIdLst>
   <p:sldIdLst>
     <p:sldId id="256" r:id="rId2"/>
-    <p:sldId id="257" r:id="rId3"/>
   </p:sldIdLst>
   <p:sldSz cx="7772400" cy="4572000"/>
   <p:notesSz cx="6858000" cy="9144000"/>
@@ -244,7 +243,7 @@
           <a:p>
             <a:fld id="{9D797497-96A6-4F1C-9667-41A4CB667D17}" type="datetimeFigureOut">
               <a:rPr lang="en-US" smtClean="0"/>
-              <a:t>3/7/2022</a:t>
+              <a:t>3/10/2022</a:t>
             </a:fld>
             <a:endParaRPr lang="en-US"/>
           </a:p>
@@ -414,7 +413,7 @@
           <a:p>
             <a:fld id="{9D797497-96A6-4F1C-9667-41A4CB667D17}" type="datetimeFigureOut">
               <a:rPr lang="en-US" smtClean="0"/>
-              <a:t>3/7/2022</a:t>
+              <a:t>3/10/2022</a:t>
             </a:fld>
             <a:endParaRPr lang="en-US"/>
           </a:p>
@@ -594,7 +593,7 @@
           <a:p>
             <a:fld id="{9D797497-96A6-4F1C-9667-41A4CB667D17}" type="datetimeFigureOut">
               <a:rPr lang="en-US" smtClean="0"/>
-              <a:t>3/7/2022</a:t>
+              <a:t>3/10/2022</a:t>
             </a:fld>
             <a:endParaRPr lang="en-US"/>
           </a:p>
@@ -764,7 +763,7 @@
           <a:p>
             <a:fld id="{9D797497-96A6-4F1C-9667-41A4CB667D17}" type="datetimeFigureOut">
               <a:rPr lang="en-US" smtClean="0"/>
-              <a:t>3/7/2022</a:t>
+              <a:t>3/10/2022</a:t>
             </a:fld>
             <a:endParaRPr lang="en-US"/>
           </a:p>
@@ -1010,7 +1009,7 @@
           <a:p>
             <a:fld id="{9D797497-96A6-4F1C-9667-41A4CB667D17}" type="datetimeFigureOut">
               <a:rPr lang="en-US" smtClean="0"/>
-              <a:t>3/7/2022</a:t>
+              <a:t>3/10/2022</a:t>
             </a:fld>
             <a:endParaRPr lang="en-US"/>
           </a:p>
@@ -1242,7 +1241,7 @@
           <a:p>
             <a:fld id="{9D797497-96A6-4F1C-9667-41A4CB667D17}" type="datetimeFigureOut">
               <a:rPr lang="en-US" smtClean="0"/>
-              <a:t>3/7/2022</a:t>
+              <a:t>3/10/2022</a:t>
             </a:fld>
             <a:endParaRPr lang="en-US"/>
           </a:p>
@@ -1609,7 +1608,7 @@
           <a:p>
             <a:fld id="{9D797497-96A6-4F1C-9667-41A4CB667D17}" type="datetimeFigureOut">
               <a:rPr lang="en-US" smtClean="0"/>
-              <a:t>3/7/2022</a:t>
+              <a:t>3/10/2022</a:t>
             </a:fld>
             <a:endParaRPr lang="en-US"/>
           </a:p>
@@ -1727,7 +1726,7 @@
           <a:p>
             <a:fld id="{9D797497-96A6-4F1C-9667-41A4CB667D17}" type="datetimeFigureOut">
               <a:rPr lang="en-US" smtClean="0"/>
-              <a:t>3/7/2022</a:t>
+              <a:t>3/10/2022</a:t>
             </a:fld>
             <a:endParaRPr lang="en-US"/>
           </a:p>
@@ -1822,7 +1821,7 @@
           <a:p>
             <a:fld id="{9D797497-96A6-4F1C-9667-41A4CB667D17}" type="datetimeFigureOut">
               <a:rPr lang="en-US" smtClean="0"/>
-              <a:t>3/7/2022</a:t>
+              <a:t>3/10/2022</a:t>
             </a:fld>
             <a:endParaRPr lang="en-US"/>
           </a:p>
@@ -2099,7 +2098,7 @@
           <a:p>
             <a:fld id="{9D797497-96A6-4F1C-9667-41A4CB667D17}" type="datetimeFigureOut">
               <a:rPr lang="en-US" smtClean="0"/>
-              <a:t>3/7/2022</a:t>
+              <a:t>3/10/2022</a:t>
             </a:fld>
             <a:endParaRPr lang="en-US"/>
           </a:p>
@@ -2356,7 +2355,7 @@
           <a:p>
             <a:fld id="{9D797497-96A6-4F1C-9667-41A4CB667D17}" type="datetimeFigureOut">
               <a:rPr lang="en-US" smtClean="0"/>
-              <a:t>3/7/2022</a:t>
+              <a:t>3/10/2022</a:t>
             </a:fld>
             <a:endParaRPr lang="en-US"/>
           </a:p>
@@ -2569,7 +2568,7 @@
           <a:p>
             <a:fld id="{9D797497-96A6-4F1C-9667-41A4CB667D17}" type="datetimeFigureOut">
               <a:rPr lang="en-US" smtClean="0"/>
-              <a:t>3/7/2022</a:t>
+              <a:t>3/10/2022</a:t>
             </a:fld>
             <a:endParaRPr lang="en-US"/>
           </a:p>
@@ -3022,82 +3021,6 @@
           </a:prstGeom>
         </p:spPr>
       </p:pic>
-      <p:pic>
-        <p:nvPicPr>
-          <p:cNvPr id="3" name="601_MB_Lateral_Lunge_to_a_Front_Press-08656">
-            <a:hlinkClick r:id="" action="ppaction://media"/>
-            <a:extLst>
-              <a:ext uri="{FF2B5EF4-FFF2-40B4-BE49-F238E27FC236}">
-                <a16:creationId xmlns:a16="http://schemas.microsoft.com/office/drawing/2014/main" id="{A1BDB178-79BC-4953-BF45-2CF5F8214D78}"/>
-              </a:ext>
-            </a:extLst>
-          </p:cNvPr>
-          <p:cNvPicPr>
-            <a:picLocks/>
-          </p:cNvPicPr>
-          <p:nvPr>
-            <a:videoFile r:link="rId1"/>
-            <p:extLst>
-              <p:ext uri="{DAA4B4D4-6D71-4841-9C94-3DE7FCFB9230}">
-                <p14:media xmlns:p14="http://schemas.microsoft.com/office/powerpoint/2010/main" r:embed="rId2">
-                  <p14:trim end="4898.9999"/>
-                </p14:media>
-              </p:ext>
-            </p:extLst>
-          </p:nvPr>
-        </p:nvPicPr>
-        <p:blipFill>
-          <a:blip r:embed="rId4"/>
-          <a:stretch>
-            <a:fillRect/>
-          </a:stretch>
-        </p:blipFill>
-        <p:spPr>
-          <a:xfrm>
-            <a:off x="4164759" y="1709928"/>
-            <a:ext cx="1856232" cy="1152144"/>
-          </a:xfrm>
-          <a:prstGeom prst="rect">
-            <a:avLst/>
-          </a:prstGeom>
-        </p:spPr>
-      </p:pic>
-      <p:pic>
-        <p:nvPicPr>
-          <p:cNvPr id="5" name="Picture 4">
-            <a:extLst>
-              <a:ext uri="{FF2B5EF4-FFF2-40B4-BE49-F238E27FC236}">
-                <a16:creationId xmlns:a16="http://schemas.microsoft.com/office/drawing/2014/main" id="{052E9B24-311D-419E-BEF2-114BC182D094}"/>
-              </a:ext>
-            </a:extLst>
-          </p:cNvPr>
-          <p:cNvPicPr>
-            <a:picLocks noChangeAspect="1"/>
-          </p:cNvPicPr>
-          <p:nvPr/>
-        </p:nvPicPr>
-        <p:blipFill>
-          <a:blip r:embed="rId5">
-            <a:extLst>
-              <a:ext uri="{28A0092B-C50C-407E-A947-70E740481C1C}">
-                <a14:useLocalDpi xmlns:a14="http://schemas.microsoft.com/office/drawing/2010/main" val="0"/>
-              </a:ext>
-            </a:extLst>
-          </a:blip>
-          <a:stretch>
-            <a:fillRect/>
-          </a:stretch>
-        </p:blipFill>
-        <p:spPr>
-          <a:xfrm>
-            <a:off x="3733819" y="66699"/>
-            <a:ext cx="304762" cy="380952"/>
-          </a:xfrm>
-          <a:prstGeom prst="rect">
-            <a:avLst/>
-          </a:prstGeom>
-        </p:spPr>
-      </p:pic>
     </p:spTree>
     <p:extLst>
       <p:ext uri="{BB962C8B-B14F-4D97-AF65-F5344CB8AC3E}">
@@ -3148,23 +3071,6 @@
                                   </p:childTnLst>
                                 </p:cTn>
                               </p:par>
-                              <p:par>
-                                <p:cTn id="7" presetID="1" presetClass="mediacall" presetSubtype="0" fill="hold" nodeType="withEffect">
-                                  <p:stCondLst>
-                                    <p:cond delay="0"/>
-                                  </p:stCondLst>
-                                  <p:childTnLst>
-                                    <p:cmd type="call" cmd="playFrom(0.0)">
-                                      <p:cBhvr>
-                                        <p:cTn id="8" dur="5000" fill="hold"/>
-                                        <p:tgtEl>
-                                          <p:spTgt spid="3"/>
-                                        </p:tgtEl>
-                                      </p:cBhvr>
-                                    </p:cmd>
-                                  </p:childTnLst>
-                                </p:cTn>
-                              </p:par>
                             </p:childTnLst>
                           </p:cTn>
                         </p:par>
@@ -3190,288 +3096,13 @@
             </p:seq>
             <p:video>
               <p:cMediaNode vol="80000">
-                <p:cTn id="9" repeatCount="indefinite" fill="hold" display="0">
+                <p:cTn id="7" repeatCount="indefinite" fill="hold" display="0">
                   <p:stCondLst>
                     <p:cond delay="indefinite"/>
                   </p:stCondLst>
                 </p:cTn>
                 <p:tgtEl>
                   <p:spTgt spid="2"/>
-                </p:tgtEl>
-              </p:cMediaNode>
-            </p:video>
-            <p:video>
-              <p:cMediaNode vol="80000">
-                <p:cTn id="10" repeatCount="indefinite" fill="hold" display="0">
-                  <p:stCondLst>
-                    <p:cond delay="indefinite"/>
-                  </p:stCondLst>
-                </p:cTn>
-                <p:tgtEl>
-                  <p:spTgt spid="3"/>
-                </p:tgtEl>
-              </p:cMediaNode>
-            </p:video>
-          </p:childTnLst>
-        </p:cTn>
-      </p:par>
-    </p:tnLst>
-  </p:timing>
-</p:sld>
-</file>
-
-<file path=ppt/slides/slide2.xml><?xml version="1.0" encoding="utf-8"?>
-<p:sld xmlns:a="http://schemas.openxmlformats.org/drawingml/2006/main" xmlns:r="http://schemas.openxmlformats.org/officeDocument/2006/relationships" xmlns:p="http://schemas.openxmlformats.org/presentationml/2006/main">
-  <p:cSld>
-    <p:bg>
-      <p:bgPr>
-        <a:solidFill>
-          <a:srgbClr val="2A2835"/>
-        </a:solidFill>
-        <a:effectLst/>
-      </p:bgPr>
-    </p:bg>
-    <p:spTree>
-      <p:nvGrpSpPr>
-        <p:cNvPr id="1" name=""/>
-        <p:cNvGrpSpPr/>
-        <p:nvPr/>
-      </p:nvGrpSpPr>
-      <p:grpSpPr>
-        <a:xfrm>
-          <a:off x="0" y="0"/>
-          <a:ext cx="0" cy="0"/>
-          <a:chOff x="0" y="0"/>
-          <a:chExt cx="0" cy="0"/>
-        </a:xfrm>
-      </p:grpSpPr>
-      <p:pic>
-        <p:nvPicPr>
-          <p:cNvPr id="2" name="601_MB_Lateral_Lunge_to_a_Front_Press-08656">
-            <a:hlinkClick r:id="" action="ppaction://media"/>
-            <a:extLst>
-              <a:ext uri="{FF2B5EF4-FFF2-40B4-BE49-F238E27FC236}">
-                <a16:creationId xmlns:a16="http://schemas.microsoft.com/office/drawing/2014/main" id="{4B2B3C5C-8887-469C-892D-47D767B00D06}"/>
-              </a:ext>
-            </a:extLst>
-          </p:cNvPr>
-          <p:cNvPicPr>
-            <a:picLocks/>
-          </p:cNvPicPr>
-          <p:nvPr>
-            <a:videoFile r:link="rId1"/>
-            <p:extLst>
-              <p:ext uri="{DAA4B4D4-6D71-4841-9C94-3DE7FCFB9230}">
-                <p14:media xmlns:p14="http://schemas.microsoft.com/office/powerpoint/2010/main" r:embed="rId2">
-                  <p14:trim end="4898.9999"/>
-                </p14:media>
-              </p:ext>
-            </p:extLst>
-          </p:nvPr>
-        </p:nvPicPr>
-        <p:blipFill>
-          <a:blip r:embed="rId4"/>
-          <a:stretch>
-            <a:fillRect/>
-          </a:stretch>
-        </p:blipFill>
-        <p:spPr>
-          <a:xfrm>
-            <a:off x="1240340" y="1709928"/>
-            <a:ext cx="1856232" cy="1152144"/>
-          </a:xfrm>
-          <a:prstGeom prst="rect">
-            <a:avLst/>
-          </a:prstGeom>
-        </p:spPr>
-      </p:pic>
-      <p:pic>
-        <p:nvPicPr>
-          <p:cNvPr id="3" name="601_MB_Lateral_Lunge_to_a_Front_Press-08656">
-            <a:hlinkClick r:id="" action="ppaction://media"/>
-            <a:extLst>
-              <a:ext uri="{FF2B5EF4-FFF2-40B4-BE49-F238E27FC236}">
-                <a16:creationId xmlns:a16="http://schemas.microsoft.com/office/drawing/2014/main" id="{A1BDB178-79BC-4953-BF45-2CF5F8214D78}"/>
-              </a:ext>
-            </a:extLst>
-          </p:cNvPr>
-          <p:cNvPicPr>
-            <a:picLocks/>
-          </p:cNvPicPr>
-          <p:nvPr>
-            <a:videoFile r:link="rId1"/>
-            <p:extLst>
-              <p:ext uri="{DAA4B4D4-6D71-4841-9C94-3DE7FCFB9230}">
-                <p14:media xmlns:p14="http://schemas.microsoft.com/office/powerpoint/2010/main" r:embed="rId2">
-                  <p14:trim end="4898.9999"/>
-                </p14:media>
-              </p:ext>
-            </p:extLst>
-          </p:nvPr>
-        </p:nvPicPr>
-        <p:blipFill>
-          <a:blip r:embed="rId4"/>
-          <a:stretch>
-            <a:fillRect/>
-          </a:stretch>
-        </p:blipFill>
-        <p:spPr>
-          <a:xfrm>
-            <a:off x="4164759" y="1709928"/>
-            <a:ext cx="1856232" cy="1152144"/>
-          </a:xfrm>
-          <a:prstGeom prst="rect">
-            <a:avLst/>
-          </a:prstGeom>
-        </p:spPr>
-      </p:pic>
-      <p:pic>
-        <p:nvPicPr>
-          <p:cNvPr id="4" name="Picture 3">
-            <a:extLst>
-              <a:ext uri="{FF2B5EF4-FFF2-40B4-BE49-F238E27FC236}">
-                <a16:creationId xmlns:a16="http://schemas.microsoft.com/office/drawing/2014/main" id="{13680243-08E1-47A0-813D-BD6DFB56BA5D}"/>
-              </a:ext>
-            </a:extLst>
-          </p:cNvPr>
-          <p:cNvPicPr>
-            <a:picLocks noChangeAspect="1"/>
-          </p:cNvPicPr>
-          <p:nvPr/>
-        </p:nvPicPr>
-        <p:blipFill>
-          <a:blip r:embed="rId5">
-            <a:extLst>
-              <a:ext uri="{28A0092B-C50C-407E-A947-70E740481C1C}">
-                <a14:useLocalDpi xmlns:a14="http://schemas.microsoft.com/office/drawing/2010/main" val="0"/>
-              </a:ext>
-            </a:extLst>
-          </a:blip>
-          <a:stretch>
-            <a:fillRect/>
-          </a:stretch>
-        </p:blipFill>
-        <p:spPr>
-          <a:xfrm>
-            <a:off x="3733819" y="60984"/>
-            <a:ext cx="304762" cy="380952"/>
-          </a:xfrm>
-          <a:prstGeom prst="rect">
-            <a:avLst/>
-          </a:prstGeom>
-        </p:spPr>
-      </p:pic>
-    </p:spTree>
-    <p:extLst>
-      <p:ext uri="{BB962C8B-B14F-4D97-AF65-F5344CB8AC3E}">
-        <p14:creationId xmlns:p14="http://schemas.microsoft.com/office/powerpoint/2010/main" val="2678478121"/>
-      </p:ext>
-    </p:extLst>
-  </p:cSld>
-  <p:clrMapOvr>
-    <a:masterClrMapping/>
-  </p:clrMapOvr>
-  <p:timing>
-    <p:tnLst>
-      <p:par>
-        <p:cTn id="1" dur="indefinite" restart="never" nodeType="tmRoot">
-          <p:childTnLst>
-            <p:seq concurrent="1" nextAc="seek">
-              <p:cTn id="2" dur="indefinite" nodeType="mainSeq">
-                <p:childTnLst>
-                  <p:par>
-                    <p:cTn id="3" fill="hold">
-                      <p:stCondLst>
-                        <p:cond delay="indefinite"/>
-                        <p:cond evt="onBegin" delay="0">
-                          <p:tn val="2"/>
-                        </p:cond>
-                      </p:stCondLst>
-                      <p:childTnLst>
-                        <p:par>
-                          <p:cTn id="4" fill="hold">
-                            <p:stCondLst>
-                              <p:cond delay="0"/>
-                            </p:stCondLst>
-                            <p:childTnLst>
-                              <p:par>
-                                <p:cTn id="5" presetID="1" presetClass="mediacall" presetSubtype="0" fill="hold" nodeType="withEffect">
-                                  <p:stCondLst>
-                                    <p:cond delay="0"/>
-                                  </p:stCondLst>
-                                  <p:childTnLst>
-                                    <p:cmd type="call" cmd="playFrom(0.0)">
-                                      <p:cBhvr>
-                                        <p:cTn id="6" dur="5000" fill="hold"/>
-                                        <p:tgtEl>
-                                          <p:spTgt spid="2"/>
-                                        </p:tgtEl>
-                                      </p:cBhvr>
-                                    </p:cmd>
-                                  </p:childTnLst>
-                                </p:cTn>
-                              </p:par>
-                              <p:par>
-                                <p:cTn id="7" presetID="1" presetClass="mediacall" presetSubtype="0" fill="hold" nodeType="withEffect">
-                                  <p:stCondLst>
-                                    <p:cond delay="0"/>
-                                  </p:stCondLst>
-                                  <p:childTnLst>
-                                    <p:cmd type="call" cmd="playFrom(0.0)">
-                                      <p:cBhvr>
-                                        <p:cTn id="8" dur="5000" fill="hold"/>
-                                        <p:tgtEl>
-                                          <p:spTgt spid="3"/>
-                                        </p:tgtEl>
-                                      </p:cBhvr>
-                                    </p:cmd>
-                                  </p:childTnLst>
-                                </p:cTn>
-                              </p:par>
-                            </p:childTnLst>
-                          </p:cTn>
-                        </p:par>
-                      </p:childTnLst>
-                    </p:cTn>
-                  </p:par>
-                </p:childTnLst>
-              </p:cTn>
-              <p:prevCondLst>
-                <p:cond evt="onPrev" delay="0">
-                  <p:tgtEl>
-                    <p:sldTgt/>
-                  </p:tgtEl>
-                </p:cond>
-              </p:prevCondLst>
-              <p:nextCondLst>
-                <p:cond evt="onNext" delay="0">
-                  <p:tgtEl>
-                    <p:sldTgt/>
-                  </p:tgtEl>
-                </p:cond>
-              </p:nextCondLst>
-            </p:seq>
-            <p:video>
-              <p:cMediaNode vol="80000">
-                <p:cTn id="9" repeatCount="indefinite" fill="hold" display="0">
-                  <p:stCondLst>
-                    <p:cond delay="indefinite"/>
-                  </p:stCondLst>
-                </p:cTn>
-                <p:tgtEl>
-                  <p:spTgt spid="2"/>
-                </p:tgtEl>
-              </p:cMediaNode>
-            </p:video>
-            <p:video>
-              <p:cMediaNode vol="80000">
-                <p:cTn id="10" repeatCount="indefinite" fill="hold" display="0">
-                  <p:stCondLst>
-                    <p:cond delay="indefinite"/>
-                  </p:stCondLst>
-                </p:cTn>
-                <p:tgtEl>
-                  <p:spTgt spid="3"/>
                 </p:tgtEl>
               </p:cMediaNode>
             </p:video>
